--- a/Business/SEO.pptx
+++ b/Business/SEO.pptx
@@ -9,9 +9,13 @@
     <p:sldId id="257" r:id="rId4"/>
     <p:sldId id="258" r:id="rId5"/>
     <p:sldId id="259" r:id="rId6"/>
+    <p:sldId id="260" r:id="rId7"/>
   </p:sldIdLst>
   <p:sldSz cx="12192000" cy="6858000"/>
   <p:notesSz cx="6858000" cy="9144000"/>
+  <p:custDataLst>
+    <p:tags r:id="rId11"/>
+  </p:custDataLst>
   <p:defaultTextStyle>
     <a:defPPr>
       <a:defRPr lang="zh-CN"/>
@@ -12399,6 +12403,67 @@
 </p:sld>
 </file>
 
+<file path=ppt/slides/slide4.xml><?xml version="1.0" encoding="utf-8"?>
+<p:sld xmlns:a="http://schemas.openxmlformats.org/drawingml/2006/main" xmlns:r="http://schemas.openxmlformats.org/officeDocument/2006/relationships" xmlns:p="http://schemas.openxmlformats.org/presentationml/2006/main">
+  <p:cSld>
+    <p:spTree>
+      <p:nvGrpSpPr>
+        <p:cNvPr id="1" name=""/>
+        <p:cNvGrpSpPr/>
+        <p:nvPr/>
+      </p:nvGrpSpPr>
+      <p:grpSpPr/>
+      <p:sp>
+        <p:nvSpPr>
+          <p:cNvPr id="2" name="标题 1"/>
+          <p:cNvSpPr>
+            <a:spLocks noGrp="1"/>
+          </p:cNvSpPr>
+          <p:nvPr>
+            <p:ph type="title"/>
+          </p:nvPr>
+        </p:nvSpPr>
+        <p:spPr/>
+        <p:txBody>
+          <a:bodyPr/>
+          <a:p>
+            <a:r>
+              <a:rPr lang="en-US" altLang="zh-CN"/>
+              <a:t>Generate Sitemap</a:t>
+            </a:r>
+            <a:endParaRPr lang="en-US" altLang="zh-CN"/>
+          </a:p>
+        </p:txBody>
+      </p:sp>
+      <p:sp>
+        <p:nvSpPr>
+          <p:cNvPr id="3" name="内容占位符 2"/>
+          <p:cNvSpPr>
+            <a:spLocks noGrp="1"/>
+          </p:cNvSpPr>
+          <p:nvPr>
+            <p:ph idx="1"/>
+          </p:nvPr>
+        </p:nvSpPr>
+        <p:spPr/>
+        <p:txBody>
+          <a:bodyPr/>
+          <a:p>
+            <a:endParaRPr lang="zh-CN" altLang="en-US"/>
+          </a:p>
+        </p:txBody>
+      </p:sp>
+    </p:spTree>
+    <p:custDataLst>
+      <p:tags r:id="rId1"/>
+    </p:custDataLst>
+  </p:cSld>
+  <p:clrMapOvr>
+    <a:masterClrMapping/>
+  </p:clrMapOvr>
+</p:sld>
+</file>
+
 <file path=ppt/tags/tag1.xml><?xml version="1.0" encoding="utf-8"?>
 <p:tagLst xmlns:p="http://schemas.openxmlformats.org/presentationml/2006/main">
   <p:tag name="KSO_WM_UNIT_HIGHLIGHT" val="0"/>
@@ -13102,6 +13167,20 @@
   <p:tag name="KSO_WM_UNIT_LAYERLEVEL" val="1"/>
   <p:tag name="KSO_WM_TAG_VERSION" val="1.0"/>
   <p:tag name="KSO_WM_BEAUTIFY_FLAG" val="#wm#"/>
+</p:tagLst>
+</file>
+
+<file path=ppt/tags/tag140.xml><?xml version="1.0" encoding="utf-8"?>
+<p:tagLst xmlns:p="http://schemas.openxmlformats.org/presentationml/2006/main">
+  <p:tag name="KSO_WM_BEAUTIFY_FLAG" val="#wm#"/>
+  <p:tag name="KSO_WM_TEMPLATE_CATEGORY" val="custom"/>
+  <p:tag name="KSO_WM_TEMPLATE_INDEX" val="20194031"/>
+</p:tagLst>
+</file>
+
+<file path=ppt/tags/tag141.xml><?xml version="1.0" encoding="utf-8"?>
+<p:tagLst xmlns:p="http://schemas.openxmlformats.org/presentationml/2006/main">
+  <p:tag name="commondata" val="eyJoZGlkIjoiYjRhZjQ5NWVmZmQxNmM3NmNkNDYxNWRmNzNmMjA1ZDAifQ=="/>
 </p:tagLst>
 </file>
 
